--- a/Why I'm A/Why I’m A.pptx
+++ b/Why I'm A/Why I’m A.pptx
@@ -5,7 +5,7 @@
     <p:sldMasterId id="2147483648" r:id="rId1"/>
   </p:sldMasterIdLst>
   <p:notesMasterIdLst>
-    <p:notesMasterId r:id="rId37"/>
+    <p:notesMasterId r:id="rId38"/>
   </p:notesMasterIdLst>
   <p:sldIdLst>
     <p:sldId id="257" r:id="rId2"/>
@@ -40,9 +40,10 @@
     <p:sldId id="294" r:id="rId31"/>
     <p:sldId id="296" r:id="rId32"/>
     <p:sldId id="301" r:id="rId33"/>
-    <p:sldId id="297" r:id="rId34"/>
-    <p:sldId id="299" r:id="rId35"/>
-    <p:sldId id="300" r:id="rId36"/>
+    <p:sldId id="307" r:id="rId34"/>
+    <p:sldId id="297" r:id="rId35"/>
+    <p:sldId id="299" r:id="rId36"/>
+    <p:sldId id="300" r:id="rId37"/>
   </p:sldIdLst>
   <p:sldSz cx="12192000" cy="6858000"/>
   <p:notesSz cx="6858000" cy="9144000"/>
@@ -13426,15 +13427,7 @@
           <a:p>
             <a:r>
               <a:rPr lang="en-GB" sz="2800" dirty="0"/>
-              <a:t>We will look at some </a:t>
-            </a:r>
-            <a:r>
-              <a:rPr lang="en-GB" sz="2800" dirty="0"/>
-              <a:t>free &amp; paid </a:t>
-            </a:r>
-            <a:r>
-              <a:rPr lang="en-GB" sz="2800" dirty="0"/>
-              <a:t>Training courses that you can sign up to in a few slides</a:t>
+              <a:t>We will look at some free &amp; paid Training courses that you can sign up to in a few slides</a:t>
             </a:r>
           </a:p>
         </p:txBody>
@@ -17931,6 +17924,488 @@
       </p:sp>
       <p:sp>
         <p:nvSpPr>
+          <p:cNvPr id="2" name="Title 1"/>
+          <p:cNvSpPr>
+            <a:spLocks noGrp="1"/>
+          </p:cNvSpPr>
+          <p:nvPr>
+            <p:ph type="ctrTitle"/>
+          </p:nvPr>
+        </p:nvSpPr>
+        <p:spPr>
+          <a:xfrm>
+            <a:off x="103517" y="182084"/>
+            <a:ext cx="11930332" cy="1103252"/>
+          </a:xfrm>
+        </p:spPr>
+        <p:txBody>
+          <a:bodyPr>
+            <a:normAutofit/>
+          </a:bodyPr>
+          <a:lstStyle/>
+          <a:p>
+            <a:r>
+              <a:rPr lang="en-GB" dirty="0"/>
+              <a:t>Further Reading</a:t>
+            </a:r>
+          </a:p>
+        </p:txBody>
+      </p:sp>
+      <p:sp>
+        <p:nvSpPr>
+          <p:cNvPr id="8" name="TextBox 7"/>
+          <p:cNvSpPr txBox="1"/>
+          <p:nvPr/>
+        </p:nvSpPr>
+        <p:spPr>
+          <a:xfrm>
+            <a:off x="9795827" y="6395044"/>
+            <a:ext cx="2238022" cy="369332"/>
+          </a:xfrm>
+          <a:prstGeom prst="rect">
+            <a:avLst/>
+          </a:prstGeom>
+          <a:noFill/>
+        </p:spPr>
+        <p:txBody>
+          <a:bodyPr wrap="square" rtlCol="0">
+            <a:spAutoFit/>
+          </a:bodyPr>
+          <a:lstStyle/>
+          <a:p>
+            <a:r>
+              <a:rPr lang="en-GB" dirty="0"/>
+              <a:t>@ryanyates1990</a:t>
+            </a:r>
+          </a:p>
+        </p:txBody>
+      </p:sp>
+      <p:sp>
+        <p:nvSpPr>
+          <p:cNvPr id="6" name="TextBox 5"/>
+          <p:cNvSpPr txBox="1"/>
+          <p:nvPr/>
+        </p:nvSpPr>
+        <p:spPr>
+          <a:xfrm>
+            <a:off x="301658" y="1467420"/>
+            <a:ext cx="11307215" cy="5016758"/>
+          </a:xfrm>
+          <a:prstGeom prst="rect">
+            <a:avLst/>
+          </a:prstGeom>
+          <a:noFill/>
+        </p:spPr>
+        <p:txBody>
+          <a:bodyPr wrap="square" rtlCol="0">
+            <a:spAutoFit/>
+          </a:bodyPr>
+          <a:lstStyle/>
+          <a:p>
+            <a:r>
+              <a:rPr lang="en-GB" sz="3200" dirty="0">
+                <a:hlinkClick r:id="rId2"/>
+              </a:rPr>
+              <a:t>https://blog.kilasuit.org</a:t>
+            </a:r>
+            <a:endParaRPr lang="en-GB" sz="3200" dirty="0"/>
+          </a:p>
+          <a:p>
+            <a:endParaRPr lang="en-GB" sz="3200" dirty="0"/>
+          </a:p>
+          <a:p>
+            <a:r>
+              <a:rPr lang="en-GB" sz="3200" dirty="0">
+                <a:hlinkClick r:id="rId3"/>
+              </a:rPr>
+              <a:t>https://blog.kilasuit.org/2016/03/21/the-power-of-the-humble-pint-and-the-community-when-things-are-difficult/</a:t>
+            </a:r>
+            <a:r>
+              <a:rPr lang="en-GB" sz="3200" dirty="0"/>
+              <a:t> </a:t>
+            </a:r>
+          </a:p>
+          <a:p>
+            <a:endParaRPr lang="en-GB" sz="3200" dirty="0"/>
+          </a:p>
+          <a:p>
+            <a:r>
+              <a:rPr lang="en-GB" sz="3200" dirty="0">
+                <a:hlinkClick r:id="rId4"/>
+              </a:rPr>
+              <a:t>https://www.troyhunt.com/7-years-of-blogging-and-a-lifetime-later/</a:t>
+            </a:r>
+            <a:endParaRPr lang="en-GB" sz="3200" dirty="0"/>
+          </a:p>
+          <a:p>
+            <a:endParaRPr lang="en-GB" sz="3200" dirty="0"/>
+          </a:p>
+          <a:p>
+            <a:r>
+              <a:rPr lang="en-GB" sz="3200" dirty="0">
+                <a:hlinkClick r:id="rId5" tooltip="https://www.troyhunt.com/how-i-optimised-my-life-to-make-my-job/"/>
+              </a:rPr>
+              <a:t>https://www.troyhunt.com/how-i-optimised-my-life-to-make-my-job/</a:t>
+            </a:r>
+            <a:endParaRPr lang="en-GB" sz="3200" dirty="0"/>
+          </a:p>
+        </p:txBody>
+      </p:sp>
+    </p:spTree>
+    <p:extLst>
+      <p:ext uri="{BB962C8B-B14F-4D97-AF65-F5344CB8AC3E}">
+        <p14:creationId xmlns:p14="http://schemas.microsoft.com/office/powerpoint/2010/main" val="2892325333"/>
+      </p:ext>
+    </p:extLst>
+  </p:cSld>
+  <p:clrMapOvr>
+    <a:masterClrMapping/>
+  </p:clrMapOvr>
+  <p:timing>
+    <p:tnLst>
+      <p:par>
+        <p:cTn id="1" dur="indefinite" restart="never" nodeType="tmRoot">
+          <p:childTnLst>
+            <p:seq concurrent="1" nextAc="seek">
+              <p:cTn id="2" dur="indefinite" nodeType="mainSeq">
+                <p:childTnLst>
+                  <p:par>
+                    <p:cTn id="3" fill="hold">
+                      <p:stCondLst>
+                        <p:cond delay="indefinite"/>
+                      </p:stCondLst>
+                      <p:childTnLst>
+                        <p:par>
+                          <p:cTn id="4" fill="hold">
+                            <p:stCondLst>
+                              <p:cond delay="0"/>
+                            </p:stCondLst>
+                            <p:childTnLst>
+                              <p:par>
+                                <p:cTn id="5" presetID="10" presetClass="entr" presetSubtype="0" fill="hold" grpId="0" nodeType="clickEffect">
+                                  <p:stCondLst>
+                                    <p:cond delay="0"/>
+                                  </p:stCondLst>
+                                  <p:childTnLst>
+                                    <p:set>
+                                      <p:cBhvr>
+                                        <p:cTn id="6" dur="1" fill="hold">
+                                          <p:stCondLst>
+                                            <p:cond delay="0"/>
+                                          </p:stCondLst>
+                                        </p:cTn>
+                                        <p:tgtEl>
+                                          <p:spTgt spid="6">
+                                            <p:txEl>
+                                              <p:pRg st="0" end="0"/>
+                                            </p:txEl>
+                                          </p:spTgt>
+                                        </p:tgtEl>
+                                        <p:attrNameLst>
+                                          <p:attrName>style.visibility</p:attrName>
+                                        </p:attrNameLst>
+                                      </p:cBhvr>
+                                      <p:to>
+                                        <p:strVal val="visible"/>
+                                      </p:to>
+                                    </p:set>
+                                    <p:animEffect transition="in" filter="fade">
+                                      <p:cBhvr>
+                                        <p:cTn id="7" dur="500"/>
+                                        <p:tgtEl>
+                                          <p:spTgt spid="6">
+                                            <p:txEl>
+                                              <p:pRg st="0" end="0"/>
+                                            </p:txEl>
+                                          </p:spTgt>
+                                        </p:tgtEl>
+                                      </p:cBhvr>
+                                    </p:animEffect>
+                                  </p:childTnLst>
+                                </p:cTn>
+                              </p:par>
+                            </p:childTnLst>
+                          </p:cTn>
+                        </p:par>
+                      </p:childTnLst>
+                    </p:cTn>
+                  </p:par>
+                  <p:par>
+                    <p:cTn id="8" fill="hold">
+                      <p:stCondLst>
+                        <p:cond delay="indefinite"/>
+                      </p:stCondLst>
+                      <p:childTnLst>
+                        <p:par>
+                          <p:cTn id="9" fill="hold">
+                            <p:stCondLst>
+                              <p:cond delay="0"/>
+                            </p:stCondLst>
+                            <p:childTnLst>
+                              <p:par>
+                                <p:cTn id="10" presetID="10" presetClass="entr" presetSubtype="0" fill="hold" grpId="0" nodeType="clickEffect">
+                                  <p:stCondLst>
+                                    <p:cond delay="0"/>
+                                  </p:stCondLst>
+                                  <p:childTnLst>
+                                    <p:set>
+                                      <p:cBhvr>
+                                        <p:cTn id="11" dur="1" fill="hold">
+                                          <p:stCondLst>
+                                            <p:cond delay="0"/>
+                                          </p:stCondLst>
+                                        </p:cTn>
+                                        <p:tgtEl>
+                                          <p:spTgt spid="6">
+                                            <p:txEl>
+                                              <p:pRg st="2" end="2"/>
+                                            </p:txEl>
+                                          </p:spTgt>
+                                        </p:tgtEl>
+                                        <p:attrNameLst>
+                                          <p:attrName>style.visibility</p:attrName>
+                                        </p:attrNameLst>
+                                      </p:cBhvr>
+                                      <p:to>
+                                        <p:strVal val="visible"/>
+                                      </p:to>
+                                    </p:set>
+                                    <p:animEffect transition="in" filter="fade">
+                                      <p:cBhvr>
+                                        <p:cTn id="12" dur="500"/>
+                                        <p:tgtEl>
+                                          <p:spTgt spid="6">
+                                            <p:txEl>
+                                              <p:pRg st="2" end="2"/>
+                                            </p:txEl>
+                                          </p:spTgt>
+                                        </p:tgtEl>
+                                      </p:cBhvr>
+                                    </p:animEffect>
+                                  </p:childTnLst>
+                                </p:cTn>
+                              </p:par>
+                            </p:childTnLst>
+                          </p:cTn>
+                        </p:par>
+                      </p:childTnLst>
+                    </p:cTn>
+                  </p:par>
+                  <p:par>
+                    <p:cTn id="13" fill="hold">
+                      <p:stCondLst>
+                        <p:cond delay="indefinite"/>
+                      </p:stCondLst>
+                      <p:childTnLst>
+                        <p:par>
+                          <p:cTn id="14" fill="hold">
+                            <p:stCondLst>
+                              <p:cond delay="0"/>
+                            </p:stCondLst>
+                            <p:childTnLst>
+                              <p:par>
+                                <p:cTn id="15" presetID="10" presetClass="entr" presetSubtype="0" fill="hold" grpId="0" nodeType="clickEffect">
+                                  <p:stCondLst>
+                                    <p:cond delay="0"/>
+                                  </p:stCondLst>
+                                  <p:childTnLst>
+                                    <p:set>
+                                      <p:cBhvr>
+                                        <p:cTn id="16" dur="1" fill="hold">
+                                          <p:stCondLst>
+                                            <p:cond delay="0"/>
+                                          </p:stCondLst>
+                                        </p:cTn>
+                                        <p:tgtEl>
+                                          <p:spTgt spid="6">
+                                            <p:txEl>
+                                              <p:pRg st="4" end="4"/>
+                                            </p:txEl>
+                                          </p:spTgt>
+                                        </p:tgtEl>
+                                        <p:attrNameLst>
+                                          <p:attrName>style.visibility</p:attrName>
+                                        </p:attrNameLst>
+                                      </p:cBhvr>
+                                      <p:to>
+                                        <p:strVal val="visible"/>
+                                      </p:to>
+                                    </p:set>
+                                    <p:animEffect transition="in" filter="fade">
+                                      <p:cBhvr>
+                                        <p:cTn id="17" dur="500"/>
+                                        <p:tgtEl>
+                                          <p:spTgt spid="6">
+                                            <p:txEl>
+                                              <p:pRg st="4" end="4"/>
+                                            </p:txEl>
+                                          </p:spTgt>
+                                        </p:tgtEl>
+                                      </p:cBhvr>
+                                    </p:animEffect>
+                                  </p:childTnLst>
+                                </p:cTn>
+                              </p:par>
+                            </p:childTnLst>
+                          </p:cTn>
+                        </p:par>
+                      </p:childTnLst>
+                    </p:cTn>
+                  </p:par>
+                  <p:par>
+                    <p:cTn id="18" fill="hold">
+                      <p:stCondLst>
+                        <p:cond delay="indefinite"/>
+                      </p:stCondLst>
+                      <p:childTnLst>
+                        <p:par>
+                          <p:cTn id="19" fill="hold">
+                            <p:stCondLst>
+                              <p:cond delay="0"/>
+                            </p:stCondLst>
+                            <p:childTnLst>
+                              <p:par>
+                                <p:cTn id="20" presetID="10" presetClass="entr" presetSubtype="0" fill="hold" grpId="0" nodeType="clickEffect">
+                                  <p:stCondLst>
+                                    <p:cond delay="0"/>
+                                  </p:stCondLst>
+                                  <p:childTnLst>
+                                    <p:set>
+                                      <p:cBhvr>
+                                        <p:cTn id="21" dur="1" fill="hold">
+                                          <p:stCondLst>
+                                            <p:cond delay="0"/>
+                                          </p:stCondLst>
+                                        </p:cTn>
+                                        <p:tgtEl>
+                                          <p:spTgt spid="6">
+                                            <p:txEl>
+                                              <p:pRg st="6" end="6"/>
+                                            </p:txEl>
+                                          </p:spTgt>
+                                        </p:tgtEl>
+                                        <p:attrNameLst>
+                                          <p:attrName>style.visibility</p:attrName>
+                                        </p:attrNameLst>
+                                      </p:cBhvr>
+                                      <p:to>
+                                        <p:strVal val="visible"/>
+                                      </p:to>
+                                    </p:set>
+                                    <p:animEffect transition="in" filter="fade">
+                                      <p:cBhvr>
+                                        <p:cTn id="22" dur="500"/>
+                                        <p:tgtEl>
+                                          <p:spTgt spid="6">
+                                            <p:txEl>
+                                              <p:pRg st="6" end="6"/>
+                                            </p:txEl>
+                                          </p:spTgt>
+                                        </p:tgtEl>
+                                      </p:cBhvr>
+                                    </p:animEffect>
+                                  </p:childTnLst>
+                                </p:cTn>
+                              </p:par>
+                            </p:childTnLst>
+                          </p:cTn>
+                        </p:par>
+                      </p:childTnLst>
+                    </p:cTn>
+                  </p:par>
+                </p:childTnLst>
+              </p:cTn>
+              <p:prevCondLst>
+                <p:cond evt="onPrev" delay="0">
+                  <p:tgtEl>
+                    <p:sldTgt/>
+                  </p:tgtEl>
+                </p:cond>
+              </p:prevCondLst>
+              <p:nextCondLst>
+                <p:cond evt="onNext" delay="0">
+                  <p:tgtEl>
+                    <p:sldTgt/>
+                  </p:tgtEl>
+                </p:cond>
+              </p:nextCondLst>
+            </p:seq>
+          </p:childTnLst>
+        </p:cTn>
+      </p:par>
+    </p:tnLst>
+    <p:bldLst>
+      <p:bldP spid="6" grpId="0" uiExpand="1" build="p"/>
+    </p:bldLst>
+  </p:timing>
+</p:sld>
+</file>
+
+<file path=ppt/slides/slide34.xml><?xml version="1.0" encoding="utf-8"?>
+<p:sld xmlns:a="http://schemas.openxmlformats.org/drawingml/2006/main" xmlns:r="http://schemas.openxmlformats.org/officeDocument/2006/relationships" xmlns:p="http://schemas.openxmlformats.org/presentationml/2006/main">
+  <p:cSld>
+    <p:spTree>
+      <p:nvGrpSpPr>
+        <p:cNvPr id="1" name=""/>
+        <p:cNvGrpSpPr/>
+        <p:nvPr/>
+      </p:nvGrpSpPr>
+      <p:grpSpPr>
+        <a:xfrm>
+          <a:off x="0" y="0"/>
+          <a:ext cx="0" cy="0"/>
+          <a:chOff x="0" y="0"/>
+          <a:chExt cx="0" cy="0"/>
+        </a:xfrm>
+      </p:grpSpPr>
+      <p:sp>
+        <p:nvSpPr>
+          <p:cNvPr id="4" name="Rectangle 3"/>
+          <p:cNvSpPr/>
+          <p:nvPr/>
+        </p:nvSpPr>
+        <p:spPr>
+          <a:xfrm>
+            <a:off x="0" y="0"/>
+            <a:ext cx="12192000" cy="6858000"/>
+          </a:xfrm>
+          <a:prstGeom prst="rect">
+            <a:avLst/>
+          </a:prstGeom>
+          <a:solidFill>
+            <a:schemeClr val="accent1">
+              <a:lumMod val="60000"/>
+              <a:lumOff val="40000"/>
+            </a:schemeClr>
+          </a:solidFill>
+        </p:spPr>
+        <p:style>
+          <a:lnRef idx="2">
+            <a:schemeClr val="accent2">
+              <a:shade val="50000"/>
+            </a:schemeClr>
+          </a:lnRef>
+          <a:fillRef idx="1">
+            <a:schemeClr val="accent2"/>
+          </a:fillRef>
+          <a:effectRef idx="0">
+            <a:schemeClr val="accent2"/>
+          </a:effectRef>
+          <a:fontRef idx="minor">
+            <a:schemeClr val="lt1"/>
+          </a:fontRef>
+        </p:style>
+        <p:txBody>
+          <a:bodyPr rtlCol="0" anchor="ctr"/>
+          <a:lstStyle/>
+          <a:p>
+            <a:pPr algn="ctr"/>
+            <a:endParaRPr lang="en-GB" dirty="0"/>
+          </a:p>
+        </p:txBody>
+      </p:sp>
+      <p:sp>
+        <p:nvSpPr>
           <p:cNvPr id="8" name="TextBox 7"/>
           <p:cNvSpPr txBox="1"/>
           <p:nvPr/>
@@ -18314,7 +18789,7 @@
 </p:sld>
 </file>
 
-<file path=ppt/slides/slide34.xml><?xml version="1.0" encoding="utf-8"?>
+<file path=ppt/slides/slide35.xml><?xml version="1.0" encoding="utf-8"?>
 <p:sld xmlns:a="http://schemas.openxmlformats.org/drawingml/2006/main" xmlns:r="http://schemas.openxmlformats.org/officeDocument/2006/relationships" xmlns:p="http://schemas.openxmlformats.org/presentationml/2006/main">
   <p:cSld>
     <p:spTree>
@@ -18634,7 +19109,7 @@
 </p:sld>
 </file>
 
-<file path=ppt/slides/slide35.xml><?xml version="1.0" encoding="utf-8"?>
+<file path=ppt/slides/slide36.xml><?xml version="1.0" encoding="utf-8"?>
 <p:sld xmlns:a="http://schemas.openxmlformats.org/drawingml/2006/main" xmlns:r="http://schemas.openxmlformats.org/officeDocument/2006/relationships" xmlns:p="http://schemas.openxmlformats.org/presentationml/2006/main">
   <p:cSld>
     <p:spTree>
